--- a/doc/ВКР/презентация.pptx
+++ b/doc/ВКР/презентация.pptx
@@ -215,7 +215,7 @@
           <a:p>
             <a:fld id="{8F5560EA-01E3-4D7D-A292-F69343AA4FF5}" type="datetimeFigureOut">
               <a:rPr lang="ru-RU" smtClean="0"/>
-              <a:t>03.06.2019</a:t>
+              <a:t>10.06.2019</a:t>
             </a:fld>
             <a:endParaRPr lang="ru-RU"/>
           </a:p>
@@ -782,7 +782,7 @@
           <a:p>
             <a:fld id="{97908CF9-E310-4F75-93A6-CA7C5475F456}" type="datetime1">
               <a:rPr lang="ru-RU" smtClean="0"/>
-              <a:t>03.06.2019</a:t>
+              <a:t>10.06.2019</a:t>
             </a:fld>
             <a:endParaRPr lang="ru-RU"/>
           </a:p>
@@ -956,7 +956,7 @@
           <a:p>
             <a:fld id="{70416DF1-7579-4BDE-A90F-7C8B6C2B0B84}" type="datetime1">
               <a:rPr lang="ru-RU" smtClean="0"/>
-              <a:t>03.06.2019</a:t>
+              <a:t>10.06.2019</a:t>
             </a:fld>
             <a:endParaRPr lang="ru-RU"/>
           </a:p>
@@ -1140,7 +1140,7 @@
           <a:p>
             <a:fld id="{7759152E-15C8-4263-9DED-9611112D8613}" type="datetime1">
               <a:rPr lang="ru-RU" smtClean="0"/>
-              <a:t>03.06.2019</a:t>
+              <a:t>10.06.2019</a:t>
             </a:fld>
             <a:endParaRPr lang="ru-RU"/>
           </a:p>
@@ -1314,7 +1314,7 @@
           <a:p>
             <a:fld id="{0F1365BC-EBB2-49BC-8D9C-315433FC4577}" type="datetime1">
               <a:rPr lang="ru-RU" smtClean="0"/>
-              <a:t>03.06.2019</a:t>
+              <a:t>10.06.2019</a:t>
             </a:fld>
             <a:endParaRPr lang="ru-RU"/>
           </a:p>
@@ -1564,7 +1564,7 @@
           <a:p>
             <a:fld id="{69B23CE8-4CB2-4D03-A138-3F87F95D8B6E}" type="datetime1">
               <a:rPr lang="ru-RU" smtClean="0"/>
-              <a:t>03.06.2019</a:t>
+              <a:t>10.06.2019</a:t>
             </a:fld>
             <a:endParaRPr lang="ru-RU"/>
           </a:p>
@@ -1800,7 +1800,7 @@
           <a:p>
             <a:fld id="{C3B86519-A35A-4BA6-8BE2-46972479BE07}" type="datetime1">
               <a:rPr lang="ru-RU" smtClean="0"/>
-              <a:t>03.06.2019</a:t>
+              <a:t>10.06.2019</a:t>
             </a:fld>
             <a:endParaRPr lang="ru-RU"/>
           </a:p>
@@ -2171,7 +2171,7 @@
           <a:p>
             <a:fld id="{1A12CE99-81D0-4508-9551-2A56AFF3D44A}" type="datetime1">
               <a:rPr lang="ru-RU" smtClean="0"/>
-              <a:t>03.06.2019</a:t>
+              <a:t>10.06.2019</a:t>
             </a:fld>
             <a:endParaRPr lang="ru-RU"/>
           </a:p>
@@ -2293,7 +2293,7 @@
           <a:p>
             <a:fld id="{C8F66639-434F-471D-923F-C911DFD13AE7}" type="datetime1">
               <a:rPr lang="ru-RU" smtClean="0"/>
-              <a:t>03.06.2019</a:t>
+              <a:t>10.06.2019</a:t>
             </a:fld>
             <a:endParaRPr lang="ru-RU"/>
           </a:p>
@@ -2392,7 +2392,7 @@
           <a:p>
             <a:fld id="{8F9D4B8E-82AB-4C66-8C7D-C5C9A34BB871}" type="datetime1">
               <a:rPr lang="ru-RU" smtClean="0"/>
-              <a:t>03.06.2019</a:t>
+              <a:t>10.06.2019</a:t>
             </a:fld>
             <a:endParaRPr lang="ru-RU"/>
           </a:p>
@@ -2673,7 +2673,7 @@
           <a:p>
             <a:fld id="{14184EED-B60B-4868-9CB7-6539DA78D3B4}" type="datetime1">
               <a:rPr lang="ru-RU" smtClean="0"/>
-              <a:t>03.06.2019</a:t>
+              <a:t>10.06.2019</a:t>
             </a:fld>
             <a:endParaRPr lang="ru-RU"/>
           </a:p>
@@ -2930,7 +2930,7 @@
           <a:p>
             <a:fld id="{55239997-0183-45D4-99C9-7183AA8CC3D6}" type="datetime1">
               <a:rPr lang="ru-RU" smtClean="0"/>
-              <a:t>03.06.2019</a:t>
+              <a:t>10.06.2019</a:t>
             </a:fld>
             <a:endParaRPr lang="ru-RU"/>
           </a:p>
@@ -3147,7 +3147,7 @@
           <a:p>
             <a:fld id="{890F4720-8AAE-4DE9-B269-493D10EE5119}" type="datetime1">
               <a:rPr lang="ru-RU" smtClean="0"/>
-              <a:t>03.06.2019</a:t>
+              <a:t>10.06.2019</a:t>
             </a:fld>
             <a:endParaRPr lang="ru-RU"/>
           </a:p>
@@ -4155,17 +4155,24 @@
             <p:ph type="title"/>
           </p:nvPr>
         </p:nvSpPr>
-        <p:spPr/>
-        <p:txBody>
-          <a:bodyPr/>
-          <a:lstStyle/>
-          <a:p>
-            <a:r>
-              <a:rPr lang="ru-RU" dirty="0" smtClean="0"/>
+        <p:spPr>
+          <a:xfrm>
+            <a:off x="628650" y="0"/>
+            <a:ext cx="7886700" cy="1690689"/>
+          </a:xfrm>
+        </p:spPr>
+        <p:txBody>
+          <a:bodyPr>
+            <a:normAutofit/>
+          </a:bodyPr>
+          <a:lstStyle/>
+          <a:p>
+            <a:r>
+              <a:rPr lang="ru-RU" sz="3800" dirty="0" smtClean="0"/>
               <a:t>Диаграмма </a:t>
             </a:r>
             <a:r>
-              <a:rPr lang="ru-RU" dirty="0"/>
+              <a:rPr lang="ru-RU" sz="3800" dirty="0"/>
               <a:t>компонентов цифрового двойника</a:t>
             </a:r>
           </a:p>
@@ -4306,11 +4313,13 @@
         </p:nvSpPr>
         <p:spPr/>
         <p:txBody>
-          <a:bodyPr/>
-          <a:lstStyle/>
-          <a:p>
-            <a:r>
-              <a:rPr lang="ru-RU" dirty="0"/>
+          <a:bodyPr>
+            <a:normAutofit/>
+          </a:bodyPr>
+          <a:lstStyle/>
+          <a:p>
+            <a:r>
+              <a:rPr lang="ru-RU" sz="3800" dirty="0"/>
               <a:t>Диаграмма «сущность – связь» базы данных цифрового двойника</a:t>
             </a:r>
           </a:p>
@@ -4494,14 +4503,16 @@
         </p:nvSpPr>
         <p:spPr/>
         <p:txBody>
-          <a:bodyPr/>
-          <a:lstStyle/>
-          <a:p>
-            <a:r>
-              <a:rPr lang="ru-RU" dirty="0" smtClean="0"/>
+          <a:bodyPr>
+            <a:normAutofit/>
+          </a:bodyPr>
+          <a:lstStyle/>
+          <a:p>
+            <a:r>
+              <a:rPr lang="ru-RU" sz="3800" dirty="0" smtClean="0"/>
               <a:t>Средства реализации</a:t>
             </a:r>
-            <a:endParaRPr lang="ru-RU" dirty="0"/>
+            <a:endParaRPr lang="ru-RU" sz="3800" dirty="0"/>
           </a:p>
         </p:txBody>
       </p:sp>
@@ -4728,12 +4739,12 @@
         <p:spPr/>
         <p:txBody>
           <a:bodyPr>
-            <a:normAutofit fontScale="90000"/>
+            <a:noAutofit/>
           </a:bodyPr>
           <a:lstStyle/>
           <a:p>
             <a:r>
-              <a:rPr lang="ru-RU" dirty="0"/>
+              <a:rPr lang="ru-RU" sz="3200" dirty="0"/>
               <a:t>Диаграмма деятельности системы для предоставления пользователю информации о текущем энергопотреблении</a:t>
             </a:r>
           </a:p>
@@ -4874,14 +4885,16 @@
         </p:nvSpPr>
         <p:spPr/>
         <p:txBody>
-          <a:bodyPr/>
-          <a:lstStyle/>
-          <a:p>
-            <a:r>
-              <a:rPr lang="ru-RU" dirty="0" smtClean="0"/>
+          <a:bodyPr>
+            <a:normAutofit/>
+          </a:bodyPr>
+          <a:lstStyle/>
+          <a:p>
+            <a:r>
+              <a:rPr lang="ru-RU" sz="3800" dirty="0" smtClean="0"/>
               <a:t>Окно регистрации клиентского приложения</a:t>
             </a:r>
-            <a:endParaRPr lang="ru-RU" dirty="0"/>
+            <a:endParaRPr lang="ru-RU" sz="3800" dirty="0"/>
           </a:p>
         </p:txBody>
       </p:sp>
@@ -5025,18 +5038,20 @@
         </p:nvSpPr>
         <p:spPr/>
         <p:txBody>
-          <a:bodyPr/>
-          <a:lstStyle/>
-          <a:p>
-            <a:r>
-              <a:rPr lang="ru-RU" dirty="0"/>
+          <a:bodyPr>
+            <a:normAutofit/>
+          </a:bodyPr>
+          <a:lstStyle/>
+          <a:p>
+            <a:r>
+              <a:rPr lang="ru-RU" sz="3800" dirty="0"/>
               <a:t>Окно получения результатов </a:t>
             </a:r>
             <a:r>
-              <a:rPr lang="ru-RU" dirty="0" smtClean="0"/>
+              <a:rPr lang="ru-RU" sz="3800" dirty="0" smtClean="0"/>
               <a:t>запросов клиентского приложения</a:t>
             </a:r>
-            <a:endParaRPr lang="ru-RU" dirty="0"/>
+            <a:endParaRPr lang="ru-RU" sz="3800" dirty="0"/>
           </a:p>
         </p:txBody>
       </p:sp>
@@ -5180,14 +5195,28 @@
         </p:nvSpPr>
         <p:spPr/>
         <p:txBody>
-          <a:bodyPr/>
-          <a:lstStyle/>
-          <a:p>
-            <a:r>
-              <a:rPr lang="ru-RU" dirty="0" smtClean="0"/>
-              <a:t>Пример нотификации пользователя</a:t>
-            </a:r>
-            <a:endParaRPr lang="ru-RU" dirty="0"/>
+          <a:bodyPr>
+            <a:normAutofit/>
+          </a:bodyPr>
+          <a:lstStyle/>
+          <a:p>
+            <a:r>
+              <a:rPr lang="ru-RU" sz="3800" dirty="0" smtClean="0"/>
+              <a:t>Пример </a:t>
+            </a:r>
+            <a:r>
+              <a:rPr lang="ru-RU" sz="3800" dirty="0" smtClean="0"/>
+              <a:t>оповещения</a:t>
+            </a:r>
+            <a:r>
+              <a:rPr lang="ru-RU" sz="3800" dirty="0" smtClean="0"/>
+              <a:t> </a:t>
+            </a:r>
+            <a:r>
+              <a:rPr lang="ru-RU" sz="3800" dirty="0" smtClean="0"/>
+              <a:t>пользователя</a:t>
+            </a:r>
+            <a:endParaRPr lang="ru-RU" sz="3800" dirty="0"/>
           </a:p>
         </p:txBody>
       </p:sp>
@@ -5374,14 +5403,16 @@
           </a:xfrm>
         </p:spPr>
         <p:txBody>
-          <a:bodyPr/>
-          <a:lstStyle/>
-          <a:p>
-            <a:r>
-              <a:rPr lang="ru-RU" dirty="0" smtClean="0"/>
+          <a:bodyPr>
+            <a:noAutofit/>
+          </a:bodyPr>
+          <a:lstStyle/>
+          <a:p>
+            <a:r>
+              <a:rPr lang="ru-RU" sz="3800" dirty="0" smtClean="0"/>
               <a:t>Конструктор создания электронных уведомлений</a:t>
             </a:r>
-            <a:endParaRPr lang="ru-RU" dirty="0"/>
+            <a:endParaRPr lang="ru-RU" sz="3800" dirty="0"/>
           </a:p>
         </p:txBody>
       </p:sp>
@@ -5515,14 +5546,16 @@
         </p:nvSpPr>
         <p:spPr/>
         <p:txBody>
-          <a:bodyPr/>
-          <a:lstStyle/>
-          <a:p>
-            <a:r>
-              <a:rPr lang="ru-RU" dirty="0" smtClean="0"/>
+          <a:bodyPr>
+            <a:normAutofit/>
+          </a:bodyPr>
+          <a:lstStyle/>
+          <a:p>
+            <a:r>
+              <a:rPr lang="ru-RU" sz="3800" dirty="0" smtClean="0"/>
               <a:t>Результаты тестирования</a:t>
             </a:r>
-            <a:endParaRPr lang="ru-RU" dirty="0"/>
+            <a:endParaRPr lang="ru-RU" sz="3800" dirty="0"/>
           </a:p>
         </p:txBody>
       </p:sp>
@@ -5700,14 +5733,16 @@
         </p:nvSpPr>
         <p:spPr/>
         <p:txBody>
-          <a:bodyPr/>
-          <a:lstStyle/>
-          <a:p>
-            <a:r>
-              <a:rPr lang="ru-RU" dirty="0" smtClean="0"/>
+          <a:bodyPr>
+            <a:normAutofit/>
+          </a:bodyPr>
+          <a:lstStyle/>
+          <a:p>
+            <a:r>
+              <a:rPr lang="ru-RU" sz="3800" dirty="0" smtClean="0"/>
               <a:t>Основные результаты</a:t>
             </a:r>
-            <a:endParaRPr lang="ru-RU" dirty="0"/>
+            <a:endParaRPr lang="ru-RU" sz="3800" dirty="0"/>
           </a:p>
         </p:txBody>
       </p:sp>
@@ -5752,8 +5787,16 @@
               <a:t>зучены </a:t>
             </a:r>
             <a:r>
+              <a:rPr lang="ru-RU" sz="2800" dirty="0" smtClean="0"/>
+              <a:t>технологии</a:t>
+            </a:r>
+            <a:r>
+              <a:rPr lang="ru-RU" sz="2800" dirty="0" smtClean="0"/>
+              <a:t>, </a:t>
+            </a:r>
+            <a:r>
               <a:rPr lang="ru-RU" sz="2800" dirty="0"/>
-              <a:t>технологии, предоставляемые облачными вычислительными платформами, для создания цифровых </a:t>
+              <a:t>предоставляемые облачными вычислительными платформами, для создания цифровых </a:t>
             </a:r>
             <a:r>
               <a:rPr lang="ru-RU" sz="2800" dirty="0" smtClean="0"/>
@@ -5894,14 +5937,16 @@
         </p:nvSpPr>
         <p:spPr/>
         <p:txBody>
-          <a:bodyPr/>
-          <a:lstStyle/>
-          <a:p>
-            <a:r>
-              <a:rPr lang="ru-RU" sz="4000" dirty="0" smtClean="0"/>
+          <a:bodyPr>
+            <a:normAutofit/>
+          </a:bodyPr>
+          <a:lstStyle/>
+          <a:p>
+            <a:r>
+              <a:rPr lang="ru-RU" sz="3600" dirty="0" smtClean="0"/>
               <a:t>Актуальность</a:t>
             </a:r>
-            <a:endParaRPr lang="ru-RU" dirty="0"/>
+            <a:endParaRPr lang="ru-RU" sz="3200" dirty="0"/>
           </a:p>
         </p:txBody>
       </p:sp>
@@ -5921,39 +5966,39 @@
           <a:lstStyle/>
           <a:p>
             <a:r>
-              <a:rPr lang="ru-RU" sz="3200" dirty="0"/>
+              <a:rPr lang="ru-RU" sz="2800" dirty="0"/>
               <a:t>Прогноз в отношении капиталовложений </a:t>
             </a:r>
             <a:r>
-              <a:rPr lang="ru-RU" sz="3200" dirty="0" smtClean="0"/>
+              <a:rPr lang="ru-RU" sz="2800" dirty="0" smtClean="0"/>
               <a:t>в </a:t>
             </a:r>
             <a:r>
-              <a:rPr lang="en-US" sz="3200" dirty="0" err="1" smtClean="0"/>
+              <a:rPr lang="en-US" sz="2800" dirty="0" err="1" smtClean="0"/>
               <a:t>IoT</a:t>
             </a:r>
             <a:r>
-              <a:rPr lang="en-US" sz="3200" dirty="0" smtClean="0"/>
+              <a:rPr lang="en-US" sz="2800" dirty="0" smtClean="0"/>
               <a:t> </a:t>
             </a:r>
             <a:r>
-              <a:rPr lang="ru-RU" sz="3200" dirty="0"/>
+              <a:rPr lang="ru-RU" sz="2800" dirty="0"/>
               <a:t>на 2022 — более 1 триллиона долларов </a:t>
             </a:r>
             <a:r>
-              <a:rPr lang="ru-RU" sz="3200" dirty="0" smtClean="0"/>
+              <a:rPr lang="ru-RU" sz="2800" dirty="0" smtClean="0"/>
               <a:t>США</a:t>
             </a:r>
           </a:p>
           <a:p>
             <a:r>
-              <a:rPr lang="ru-RU" sz="3200" dirty="0" smtClean="0"/>
+              <a:rPr lang="ru-RU" sz="2800" dirty="0" smtClean="0"/>
               <a:t>Появление концепции Индустрии 4.0</a:t>
             </a:r>
           </a:p>
           <a:p>
             <a:r>
-              <a:rPr lang="ru-RU" sz="3200" dirty="0" smtClean="0"/>
+              <a:rPr lang="ru-RU" sz="2800" dirty="0" smtClean="0"/>
               <a:t>Развитие облачных технологий </a:t>
             </a:r>
           </a:p>
@@ -6076,14 +6121,16 @@
           </a:xfrm>
         </p:spPr>
         <p:txBody>
-          <a:bodyPr/>
-          <a:lstStyle/>
-          <a:p>
-            <a:r>
-              <a:rPr lang="ru-RU" sz="4000" dirty="0" smtClean="0"/>
+          <a:bodyPr>
+            <a:noAutofit/>
+          </a:bodyPr>
+          <a:lstStyle/>
+          <a:p>
+            <a:r>
+              <a:rPr lang="ru-RU" sz="3800" dirty="0" smtClean="0"/>
               <a:t>Цель и задачи исследования</a:t>
             </a:r>
-            <a:endParaRPr lang="ru-RU" dirty="0"/>
+            <a:endParaRPr lang="ru-RU" sz="3800" dirty="0"/>
           </a:p>
         </p:txBody>
       </p:sp>
@@ -6113,15 +6160,15 @@
               <a:buNone/>
             </a:pPr>
             <a:r>
-              <a:rPr lang="ru-RU" sz="5800" b="1" dirty="0" smtClean="0"/>
+              <a:rPr lang="ru-RU" sz="5900" b="1" dirty="0" smtClean="0"/>
               <a:t>Цель: </a:t>
             </a:r>
             <a:r>
-              <a:rPr lang="ru-RU" sz="5800" dirty="0" smtClean="0"/>
+              <a:rPr lang="ru-RU" sz="5900" dirty="0" smtClean="0"/>
               <a:t>разработка </a:t>
             </a:r>
             <a:r>
-              <a:rPr lang="ru-RU" sz="5800" dirty="0"/>
+              <a:rPr lang="ru-RU" sz="5900" dirty="0"/>
               <a:t>технологии создания цифровых двойников, а также реализация и тестирование прототипа цифрового двойника на основе ресурсов облачной вычислительной платформы.</a:t>
             </a:r>
           </a:p>
@@ -6130,7 +6177,7 @@
               <a:buNone/>
             </a:pPr>
             <a:r>
-              <a:rPr lang="ru-RU" sz="5800" b="1" dirty="0" smtClean="0"/>
+              <a:rPr lang="ru-RU" sz="5900" b="1" dirty="0" smtClean="0"/>
               <a:t>Задачи: </a:t>
             </a:r>
           </a:p>
@@ -6158,7 +6205,15 @@
             </a:pPr>
             <a:r>
               <a:rPr lang="ru-RU" sz="5900" dirty="0"/>
-              <a:t>изучить технологии, предоставляемые облачными вычислительными платформами, для создания цифровых </a:t>
+              <a:t>изучить </a:t>
+            </a:r>
+            <a:r>
+              <a:rPr lang="ru-RU" sz="5900" dirty="0" smtClean="0"/>
+              <a:t>технологии, </a:t>
+            </a:r>
+            <a:r>
+              <a:rPr lang="ru-RU" sz="5900" dirty="0"/>
+              <a:t>предоставляемые облачными вычислительными платформами, для создания цифровых </a:t>
             </a:r>
             <a:r>
               <a:rPr lang="ru-RU" sz="5900" dirty="0" smtClean="0"/>
@@ -6287,18 +6342,20 @@
         </p:nvSpPr>
         <p:spPr/>
         <p:txBody>
-          <a:bodyPr/>
-          <a:lstStyle/>
-          <a:p>
-            <a:r>
-              <a:rPr lang="ru-RU" dirty="0"/>
+          <a:bodyPr>
+            <a:normAutofit/>
+          </a:bodyPr>
+          <a:lstStyle/>
+          <a:p>
+            <a:r>
+              <a:rPr lang="ru-RU" sz="3800" dirty="0"/>
               <a:t>Диаграмма потока данных </a:t>
             </a:r>
             <a:r>
-              <a:rPr lang="en-US" dirty="0"/>
+              <a:rPr lang="en-US" sz="3800" dirty="0"/>
               <a:t>Azure Digital Twins</a:t>
             </a:r>
-            <a:endParaRPr lang="ru-RU" dirty="0"/>
+            <a:endParaRPr lang="ru-RU" sz="3800" dirty="0"/>
           </a:p>
         </p:txBody>
       </p:sp>
@@ -6432,26 +6489,31 @@
             <p:ph type="title"/>
           </p:nvPr>
         </p:nvSpPr>
-        <p:spPr/>
+        <p:spPr>
+          <a:xfrm>
+            <a:off x="628650" y="365126"/>
+            <a:ext cx="7886700" cy="1146175"/>
+          </a:xfrm>
+        </p:spPr>
         <p:txBody>
           <a:bodyPr>
-            <a:normAutofit fontScale="90000"/>
+            <a:noAutofit/>
           </a:bodyPr>
           <a:lstStyle/>
           <a:p>
             <a:r>
-              <a:rPr lang="ru-RU" dirty="0"/>
+              <a:rPr lang="ru-RU" sz="3800" dirty="0"/>
               <a:t>Пример настройки иерархии графа с помощью редактора </a:t>
             </a:r>
             <a:r>
-              <a:rPr lang="ru-RU" dirty="0" smtClean="0"/>
+              <a:rPr lang="ru-RU" sz="3800" dirty="0" smtClean="0"/>
               <a:t>потоков </a:t>
             </a:r>
             <a:r>
-              <a:rPr lang="en-US" dirty="0" smtClean="0"/>
+              <a:rPr lang="en-US" sz="3800" dirty="0" smtClean="0"/>
               <a:t>AWS Things Graph</a:t>
             </a:r>
-            <a:endParaRPr lang="ru-RU" dirty="0"/>
+            <a:endParaRPr lang="ru-RU" sz="3800" dirty="0"/>
           </a:p>
         </p:txBody>
       </p:sp>
@@ -6588,19 +6650,19 @@
         <p:spPr/>
         <p:txBody>
           <a:bodyPr>
-            <a:normAutofit fontScale="90000"/>
+            <a:noAutofit/>
           </a:bodyPr>
           <a:lstStyle/>
           <a:p>
             <a:r>
-              <a:rPr lang="ru-RU" dirty="0"/>
+              <a:rPr lang="ru-RU" sz="3800" dirty="0"/>
               <a:t>Схема пространственного интеллектуального графа </a:t>
             </a:r>
             <a:r>
-              <a:rPr lang="en-US" dirty="0"/>
+              <a:rPr lang="en-US" sz="3800" dirty="0"/>
               <a:t>Azure Digital Twins</a:t>
             </a:r>
-            <a:endParaRPr lang="ru-RU" dirty="0"/>
+            <a:endParaRPr lang="ru-RU" sz="3800" dirty="0"/>
           </a:p>
         </p:txBody>
       </p:sp>
@@ -6798,14 +6860,16 @@
           </a:xfrm>
         </p:spPr>
         <p:txBody>
-          <a:bodyPr/>
-          <a:lstStyle/>
-          <a:p>
-            <a:r>
-              <a:rPr lang="ru-RU" dirty="0" smtClean="0"/>
+          <a:bodyPr>
+            <a:normAutofit/>
+          </a:bodyPr>
+          <a:lstStyle/>
+          <a:p>
+            <a:r>
+              <a:rPr lang="ru-RU" sz="3800" dirty="0" smtClean="0"/>
               <a:t>Схема используемого набора данных</a:t>
             </a:r>
-            <a:endParaRPr lang="ru-RU" dirty="0"/>
+            <a:endParaRPr lang="ru-RU" sz="3800" dirty="0"/>
           </a:p>
         </p:txBody>
       </p:sp>
@@ -7535,23 +7599,28 @@
             <p:ph type="title"/>
           </p:nvPr>
         </p:nvSpPr>
-        <p:spPr/>
+        <p:spPr>
+          <a:xfrm>
+            <a:off x="628650" y="163774"/>
+            <a:ext cx="7886700" cy="1526916"/>
+          </a:xfrm>
+        </p:spPr>
         <p:txBody>
           <a:bodyPr>
-            <a:normAutofit fontScale="90000"/>
+            <a:noAutofit/>
           </a:bodyPr>
           <a:lstStyle/>
           <a:p>
             <a:r>
-              <a:rPr lang="ru-RU" dirty="0"/>
+              <a:rPr lang="ru-RU" sz="3800" dirty="0"/>
               <a:t>Диаграмма вариантов </a:t>
             </a:r>
             <a:r>
-              <a:rPr lang="ru-RU" dirty="0" smtClean="0"/>
+              <a:rPr lang="ru-RU" sz="3800" dirty="0" smtClean="0"/>
               <a:t>использования системы </a:t>
             </a:r>
             <a:r>
-              <a:rPr lang="ru-RU" dirty="0"/>
+              <a:rPr lang="ru-RU" sz="3800" dirty="0"/>
               <a:t>Цифровой двойник «Энергопотребление»</a:t>
             </a:r>
           </a:p>
@@ -7733,16 +7802,23 @@
             <p:ph type="title"/>
           </p:nvPr>
         </p:nvSpPr>
-        <p:spPr/>
-        <p:txBody>
-          <a:bodyPr/>
-          <a:lstStyle/>
-          <a:p>
-            <a:r>
-              <a:rPr lang="ru-RU" dirty="0" smtClean="0"/>
+        <p:spPr>
+          <a:xfrm>
+            <a:off x="628650" y="365126"/>
+            <a:ext cx="7886700" cy="1436378"/>
+          </a:xfrm>
+        </p:spPr>
+        <p:txBody>
+          <a:bodyPr>
+            <a:noAutofit/>
+          </a:bodyPr>
+          <a:lstStyle/>
+          <a:p>
+            <a:r>
+              <a:rPr lang="ru-RU" sz="3800" dirty="0" smtClean="0"/>
               <a:t>Диаграмма потоков данных проектируемого цифрового двойника</a:t>
             </a:r>
-            <a:endParaRPr lang="ru-RU" dirty="0"/>
+            <a:endParaRPr lang="ru-RU" sz="3800" dirty="0"/>
           </a:p>
         </p:txBody>
       </p:sp>
